--- a/veri sunum.pptx
+++ b/veri sunum.pptx
@@ -213,7 +213,7 @@
           <a:p>
             <a:fld id="{EED95103-E367-4619-B2E3-60DAF4FC6455}" type="datetimeFigureOut">
               <a:rPr lang="tr-TR" smtClean="0"/>
-              <a:t>4.05.2025</a:t>
+              <a:t>5.05.2025</a:t>
             </a:fld>
             <a:endParaRPr lang="tr-TR"/>
           </a:p>
@@ -733,7 +733,7 @@
           <a:p>
             <a:fld id="{FF6C525A-0F6E-4154-A72B-761A0D24BDE8}" type="datetimeFigureOut">
               <a:rPr lang="tr-TR" smtClean="0"/>
-              <a:t>4.05.2025</a:t>
+              <a:t>5.05.2025</a:t>
             </a:fld>
             <a:endParaRPr lang="tr-TR"/>
           </a:p>
@@ -1063,7 +1063,7 @@
           <a:p>
             <a:fld id="{FF6C525A-0F6E-4154-A72B-761A0D24BDE8}" type="datetimeFigureOut">
               <a:rPr lang="tr-TR" smtClean="0"/>
-              <a:t>4.05.2025</a:t>
+              <a:t>5.05.2025</a:t>
             </a:fld>
             <a:endParaRPr lang="tr-TR"/>
           </a:p>
@@ -1243,7 +1243,7 @@
           <a:p>
             <a:fld id="{FF6C525A-0F6E-4154-A72B-761A0D24BDE8}" type="datetimeFigureOut">
               <a:rPr lang="tr-TR" smtClean="0"/>
-              <a:t>4.05.2025</a:t>
+              <a:t>5.05.2025</a:t>
             </a:fld>
             <a:endParaRPr lang="tr-TR"/>
           </a:p>
@@ -1413,7 +1413,7 @@
           <a:p>
             <a:fld id="{FF6C525A-0F6E-4154-A72B-761A0D24BDE8}" type="datetimeFigureOut">
               <a:rPr lang="tr-TR" smtClean="0"/>
-              <a:t>4.05.2025</a:t>
+              <a:t>5.05.2025</a:t>
             </a:fld>
             <a:endParaRPr lang="tr-TR"/>
           </a:p>
@@ -1690,7 +1690,7 @@
           <a:p>
             <a:fld id="{FF6C525A-0F6E-4154-A72B-761A0D24BDE8}" type="datetimeFigureOut">
               <a:rPr lang="tr-TR" smtClean="0"/>
-              <a:t>4.05.2025</a:t>
+              <a:t>5.05.2025</a:t>
             </a:fld>
             <a:endParaRPr lang="tr-TR"/>
           </a:p>
@@ -2084,7 +2084,7 @@
           <a:p>
             <a:fld id="{FF6C525A-0F6E-4154-A72B-761A0D24BDE8}" type="datetimeFigureOut">
               <a:rPr lang="tr-TR" smtClean="0"/>
-              <a:t>4.05.2025</a:t>
+              <a:t>5.05.2025</a:t>
             </a:fld>
             <a:endParaRPr lang="tr-TR"/>
           </a:p>
@@ -2561,7 +2561,7 @@
           <a:p>
             <a:fld id="{FF6C525A-0F6E-4154-A72B-761A0D24BDE8}" type="datetimeFigureOut">
               <a:rPr lang="tr-TR" smtClean="0"/>
-              <a:t>4.05.2025</a:t>
+              <a:t>5.05.2025</a:t>
             </a:fld>
             <a:endParaRPr lang="tr-TR"/>
           </a:p>
@@ -2679,7 +2679,7 @@
           <a:p>
             <a:fld id="{FF6C525A-0F6E-4154-A72B-761A0D24BDE8}" type="datetimeFigureOut">
               <a:rPr lang="tr-TR" smtClean="0"/>
-              <a:t>4.05.2025</a:t>
+              <a:t>5.05.2025</a:t>
             </a:fld>
             <a:endParaRPr lang="tr-TR"/>
           </a:p>
@@ -2774,7 +2774,7 @@
           <a:p>
             <a:fld id="{FF6C525A-0F6E-4154-A72B-761A0D24BDE8}" type="datetimeFigureOut">
               <a:rPr lang="tr-TR" smtClean="0"/>
-              <a:t>4.05.2025</a:t>
+              <a:t>5.05.2025</a:t>
             </a:fld>
             <a:endParaRPr lang="tr-TR"/>
           </a:p>
@@ -3120,7 +3120,7 @@
           <a:p>
             <a:fld id="{FF6C525A-0F6E-4154-A72B-761A0D24BDE8}" type="datetimeFigureOut">
               <a:rPr lang="tr-TR" smtClean="0"/>
-              <a:t>4.05.2025</a:t>
+              <a:t>5.05.2025</a:t>
             </a:fld>
             <a:endParaRPr lang="tr-TR"/>
           </a:p>
@@ -3508,7 +3508,7 @@
           <a:p>
             <a:fld id="{FF6C525A-0F6E-4154-A72B-761A0D24BDE8}" type="datetimeFigureOut">
               <a:rPr lang="tr-TR" smtClean="0"/>
-              <a:t>4.05.2025</a:t>
+              <a:t>5.05.2025</a:t>
             </a:fld>
             <a:endParaRPr lang="tr-TR"/>
           </a:p>
@@ -3786,7 +3786,7 @@
           <a:p>
             <a:fld id="{FF6C525A-0F6E-4154-A72B-761A0D24BDE8}" type="datetimeFigureOut">
               <a:rPr lang="tr-TR" smtClean="0"/>
-              <a:t>4.05.2025</a:t>
+              <a:t>5.05.2025</a:t>
             </a:fld>
             <a:endParaRPr lang="tr-TR"/>
           </a:p>
@@ -6183,25 +6183,7 @@
                 <a:ea typeface="Aptos" panose="020B0004020202020204" pitchFamily="34" charset="0"/>
                 <a:cs typeface="Times New Roman" panose="02020603050405020304" pitchFamily="18" charset="0"/>
               </a:rPr>
-              <a:t> adlı veri seti kullanılmıştır (</a:t>
-            </a:r>
-            <a:r>
-              <a:rPr lang="tr-TR" sz="1800" kern="100" dirty="0" err="1">
-                <a:effectLst/>
-                <a:latin typeface="Times New Roman" panose="02020603050405020304" pitchFamily="18" charset="0"/>
-                <a:ea typeface="Aptos" panose="020B0004020202020204" pitchFamily="34" charset="0"/>
-                <a:cs typeface="Times New Roman" panose="02020603050405020304" pitchFamily="18" charset="0"/>
-              </a:rPr>
-              <a:t>Fanaee</a:t>
-            </a:r>
-            <a:r>
-              <a:rPr lang="tr-TR" sz="1800" kern="100" dirty="0">
-                <a:effectLst/>
-                <a:latin typeface="Times New Roman" panose="02020603050405020304" pitchFamily="18" charset="0"/>
-                <a:ea typeface="Aptos" panose="020B0004020202020204" pitchFamily="34" charset="0"/>
-                <a:cs typeface="Times New Roman" panose="02020603050405020304" pitchFamily="18" charset="0"/>
-              </a:rPr>
-              <a:t>-T &amp; Gama, 2014). Veri seti, 2011–2012 yılları arasında Amerika Birleşik Devletleri’nin başkenti Washington </a:t>
+              <a:t> adlı veri seti kullanılmıştır. Veri seti, 2011–2012 yılları arasında Amerika Birleşik Devletleri’nin başkenti Washington </a:t>
             </a:r>
             <a:r>
               <a:rPr lang="tr-TR" sz="1800" kern="100" dirty="0" err="1">
